--- a/images/lashuelgas_sand_poster.pptx
+++ b/images/lashuelgas_sand_poster.pptx
@@ -154,10 +154,9 @@
           </a:lstStyle>
           <a:p>
             <a:r>
-              <a:rPr lang="es-ES" smtClean="0"/>
+              <a:rPr lang="es-ES"/>
               <a:t>Haga clic para modificar el estilo de título del patrón</a:t>
             </a:r>
-            <a:endParaRPr lang="es-ES"/>
           </a:p>
         </p:txBody>
       </p:sp>
@@ -219,10 +218,9 @@
           </a:lstStyle>
           <a:p>
             <a:r>
-              <a:rPr lang="es-ES" smtClean="0"/>
+              <a:rPr lang="es-ES"/>
               <a:t>Haga clic para editar el estilo de subtítulo del patrón</a:t>
             </a:r>
-            <a:endParaRPr lang="es-ES"/>
           </a:p>
         </p:txBody>
       </p:sp>
@@ -243,7 +241,7 @@
           <a:p>
             <a:fld id="{6E3CEE3C-7AD6-4EDE-B17A-FE305ECABCE6}" type="datetimeFigureOut">
               <a:rPr lang="es-ES" smtClean="0"/>
-              <a:t>17/12/2020</a:t>
+              <a:t>23/12/2020</a:t>
             </a:fld>
             <a:endParaRPr lang="es-ES"/>
           </a:p>
@@ -337,10 +335,9 @@
           <a:lstStyle/>
           <a:p>
             <a:r>
-              <a:rPr lang="es-ES" smtClean="0"/>
+              <a:rPr lang="es-ES"/>
               <a:t>Haga clic para modificar el estilo de título del patrón</a:t>
             </a:r>
-            <a:endParaRPr lang="es-ES"/>
           </a:p>
         </p:txBody>
       </p:sp>
@@ -361,38 +358,37 @@
           <a:p>
             <a:pPr lvl="0"/>
             <a:r>
-              <a:rPr lang="es-ES" smtClean="0"/>
+              <a:rPr lang="es-ES"/>
               <a:t>Editar el estilo de texto del patrón</a:t>
             </a:r>
           </a:p>
           <a:p>
             <a:pPr lvl="1"/>
             <a:r>
-              <a:rPr lang="es-ES" smtClean="0"/>
+              <a:rPr lang="es-ES"/>
               <a:t>Segundo nivel</a:t>
             </a:r>
           </a:p>
           <a:p>
             <a:pPr lvl="2"/>
             <a:r>
-              <a:rPr lang="es-ES" smtClean="0"/>
+              <a:rPr lang="es-ES"/>
               <a:t>Tercer nivel</a:t>
             </a:r>
           </a:p>
           <a:p>
             <a:pPr lvl="3"/>
             <a:r>
-              <a:rPr lang="es-ES" smtClean="0"/>
+              <a:rPr lang="es-ES"/>
               <a:t>Cuarto nivel</a:t>
             </a:r>
           </a:p>
           <a:p>
             <a:pPr lvl="4"/>
             <a:r>
-              <a:rPr lang="es-ES" smtClean="0"/>
+              <a:rPr lang="es-ES"/>
               <a:t>Quinto nivel</a:t>
             </a:r>
-            <a:endParaRPr lang="es-ES"/>
           </a:p>
         </p:txBody>
       </p:sp>
@@ -413,7 +409,7 @@
           <a:p>
             <a:fld id="{6E3CEE3C-7AD6-4EDE-B17A-FE305ECABCE6}" type="datetimeFigureOut">
               <a:rPr lang="es-ES" smtClean="0"/>
-              <a:t>17/12/2020</a:t>
+              <a:t>23/12/2020</a:t>
             </a:fld>
             <a:endParaRPr lang="es-ES"/>
           </a:p>
@@ -512,10 +508,9 @@
           <a:lstStyle/>
           <a:p>
             <a:r>
-              <a:rPr lang="es-ES" smtClean="0"/>
+              <a:rPr lang="es-ES"/>
               <a:t>Haga clic para modificar el estilo de título del patrón</a:t>
             </a:r>
-            <a:endParaRPr lang="es-ES"/>
           </a:p>
         </p:txBody>
       </p:sp>
@@ -541,38 +536,37 @@
           <a:p>
             <a:pPr lvl="0"/>
             <a:r>
-              <a:rPr lang="es-ES" smtClean="0"/>
+              <a:rPr lang="es-ES"/>
               <a:t>Editar el estilo de texto del patrón</a:t>
             </a:r>
           </a:p>
           <a:p>
             <a:pPr lvl="1"/>
             <a:r>
-              <a:rPr lang="es-ES" smtClean="0"/>
+              <a:rPr lang="es-ES"/>
               <a:t>Segundo nivel</a:t>
             </a:r>
           </a:p>
           <a:p>
             <a:pPr lvl="2"/>
             <a:r>
-              <a:rPr lang="es-ES" smtClean="0"/>
+              <a:rPr lang="es-ES"/>
               <a:t>Tercer nivel</a:t>
             </a:r>
           </a:p>
           <a:p>
             <a:pPr lvl="3"/>
             <a:r>
-              <a:rPr lang="es-ES" smtClean="0"/>
+              <a:rPr lang="es-ES"/>
               <a:t>Cuarto nivel</a:t>
             </a:r>
           </a:p>
           <a:p>
             <a:pPr lvl="4"/>
             <a:r>
-              <a:rPr lang="es-ES" smtClean="0"/>
+              <a:rPr lang="es-ES"/>
               <a:t>Quinto nivel</a:t>
             </a:r>
-            <a:endParaRPr lang="es-ES"/>
           </a:p>
         </p:txBody>
       </p:sp>
@@ -593,7 +587,7 @@
           <a:p>
             <a:fld id="{6E3CEE3C-7AD6-4EDE-B17A-FE305ECABCE6}" type="datetimeFigureOut">
               <a:rPr lang="es-ES" smtClean="0"/>
-              <a:t>17/12/2020</a:t>
+              <a:t>23/12/2020</a:t>
             </a:fld>
             <a:endParaRPr lang="es-ES"/>
           </a:p>
@@ -687,10 +681,9 @@
           <a:lstStyle/>
           <a:p>
             <a:r>
-              <a:rPr lang="es-ES" smtClean="0"/>
+              <a:rPr lang="es-ES"/>
               <a:t>Haga clic para modificar el estilo de título del patrón</a:t>
             </a:r>
-            <a:endParaRPr lang="es-ES"/>
           </a:p>
         </p:txBody>
       </p:sp>
@@ -711,38 +704,37 @@
           <a:p>
             <a:pPr lvl="0"/>
             <a:r>
-              <a:rPr lang="es-ES" smtClean="0"/>
+              <a:rPr lang="es-ES"/>
               <a:t>Editar el estilo de texto del patrón</a:t>
             </a:r>
           </a:p>
           <a:p>
             <a:pPr lvl="1"/>
             <a:r>
-              <a:rPr lang="es-ES" smtClean="0"/>
+              <a:rPr lang="es-ES"/>
               <a:t>Segundo nivel</a:t>
             </a:r>
           </a:p>
           <a:p>
             <a:pPr lvl="2"/>
             <a:r>
-              <a:rPr lang="es-ES" smtClean="0"/>
+              <a:rPr lang="es-ES"/>
               <a:t>Tercer nivel</a:t>
             </a:r>
           </a:p>
           <a:p>
             <a:pPr lvl="3"/>
             <a:r>
-              <a:rPr lang="es-ES" smtClean="0"/>
+              <a:rPr lang="es-ES"/>
               <a:t>Cuarto nivel</a:t>
             </a:r>
           </a:p>
           <a:p>
             <a:pPr lvl="4"/>
             <a:r>
-              <a:rPr lang="es-ES" smtClean="0"/>
+              <a:rPr lang="es-ES"/>
               <a:t>Quinto nivel</a:t>
             </a:r>
-            <a:endParaRPr lang="es-ES"/>
           </a:p>
         </p:txBody>
       </p:sp>
@@ -763,7 +755,7 @@
           <a:p>
             <a:fld id="{6E3CEE3C-7AD6-4EDE-B17A-FE305ECABCE6}" type="datetimeFigureOut">
               <a:rPr lang="es-ES" smtClean="0"/>
-              <a:t>17/12/2020</a:t>
+              <a:t>23/12/2020</a:t>
             </a:fld>
             <a:endParaRPr lang="es-ES"/>
           </a:p>
@@ -866,10 +858,9 @@
           </a:lstStyle>
           <a:p>
             <a:r>
-              <a:rPr lang="es-ES" smtClean="0"/>
+              <a:rPr lang="es-ES"/>
               <a:t>Haga clic para modificar el estilo de título del patrón</a:t>
             </a:r>
-            <a:endParaRPr lang="es-ES"/>
           </a:p>
         </p:txBody>
       </p:sp>
@@ -986,7 +977,7 @@
           <a:p>
             <a:pPr lvl="0"/>
             <a:r>
-              <a:rPr lang="es-ES" smtClean="0"/>
+              <a:rPr lang="es-ES"/>
               <a:t>Editar el estilo de texto del patrón</a:t>
             </a:r>
           </a:p>
@@ -1009,7 +1000,7 @@
           <a:p>
             <a:fld id="{6E3CEE3C-7AD6-4EDE-B17A-FE305ECABCE6}" type="datetimeFigureOut">
               <a:rPr lang="es-ES" smtClean="0"/>
-              <a:t>17/12/2020</a:t>
+              <a:t>23/12/2020</a:t>
             </a:fld>
             <a:endParaRPr lang="es-ES"/>
           </a:p>
@@ -1103,10 +1094,9 @@
           <a:lstStyle/>
           <a:p>
             <a:r>
-              <a:rPr lang="es-ES" smtClean="0"/>
+              <a:rPr lang="es-ES"/>
               <a:t>Haga clic para modificar el estilo de título del patrón</a:t>
             </a:r>
-            <a:endParaRPr lang="es-ES"/>
           </a:p>
         </p:txBody>
       </p:sp>
@@ -1132,38 +1122,37 @@
           <a:p>
             <a:pPr lvl="0"/>
             <a:r>
-              <a:rPr lang="es-ES" smtClean="0"/>
+              <a:rPr lang="es-ES"/>
               <a:t>Editar el estilo de texto del patrón</a:t>
             </a:r>
           </a:p>
           <a:p>
             <a:pPr lvl="1"/>
             <a:r>
-              <a:rPr lang="es-ES" smtClean="0"/>
+              <a:rPr lang="es-ES"/>
               <a:t>Segundo nivel</a:t>
             </a:r>
           </a:p>
           <a:p>
             <a:pPr lvl="2"/>
             <a:r>
-              <a:rPr lang="es-ES" smtClean="0"/>
+              <a:rPr lang="es-ES"/>
               <a:t>Tercer nivel</a:t>
             </a:r>
           </a:p>
           <a:p>
             <a:pPr lvl="3"/>
             <a:r>
-              <a:rPr lang="es-ES" smtClean="0"/>
+              <a:rPr lang="es-ES"/>
               <a:t>Cuarto nivel</a:t>
             </a:r>
           </a:p>
           <a:p>
             <a:pPr lvl="4"/>
             <a:r>
-              <a:rPr lang="es-ES" smtClean="0"/>
+              <a:rPr lang="es-ES"/>
               <a:t>Quinto nivel</a:t>
             </a:r>
-            <a:endParaRPr lang="es-ES"/>
           </a:p>
         </p:txBody>
       </p:sp>
@@ -1189,38 +1178,37 @@
           <a:p>
             <a:pPr lvl="0"/>
             <a:r>
-              <a:rPr lang="es-ES" smtClean="0"/>
+              <a:rPr lang="es-ES"/>
               <a:t>Editar el estilo de texto del patrón</a:t>
             </a:r>
           </a:p>
           <a:p>
             <a:pPr lvl="1"/>
             <a:r>
-              <a:rPr lang="es-ES" smtClean="0"/>
+              <a:rPr lang="es-ES"/>
               <a:t>Segundo nivel</a:t>
             </a:r>
           </a:p>
           <a:p>
             <a:pPr lvl="2"/>
             <a:r>
-              <a:rPr lang="es-ES" smtClean="0"/>
+              <a:rPr lang="es-ES"/>
               <a:t>Tercer nivel</a:t>
             </a:r>
           </a:p>
           <a:p>
             <a:pPr lvl="3"/>
             <a:r>
-              <a:rPr lang="es-ES" smtClean="0"/>
+              <a:rPr lang="es-ES"/>
               <a:t>Cuarto nivel</a:t>
             </a:r>
           </a:p>
           <a:p>
             <a:pPr lvl="4"/>
             <a:r>
-              <a:rPr lang="es-ES" smtClean="0"/>
+              <a:rPr lang="es-ES"/>
               <a:t>Quinto nivel</a:t>
             </a:r>
-            <a:endParaRPr lang="es-ES"/>
           </a:p>
         </p:txBody>
       </p:sp>
@@ -1241,7 +1229,7 @@
           <a:p>
             <a:fld id="{6E3CEE3C-7AD6-4EDE-B17A-FE305ECABCE6}" type="datetimeFigureOut">
               <a:rPr lang="es-ES" smtClean="0"/>
-              <a:t>17/12/2020</a:t>
+              <a:t>23/12/2020</a:t>
             </a:fld>
             <a:endParaRPr lang="es-ES"/>
           </a:p>
@@ -1340,10 +1328,9 @@
           <a:lstStyle/>
           <a:p>
             <a:r>
-              <a:rPr lang="es-ES" smtClean="0"/>
+              <a:rPr lang="es-ES"/>
               <a:t>Haga clic para modificar el estilo de título del patrón</a:t>
             </a:r>
-            <a:endParaRPr lang="es-ES"/>
           </a:p>
         </p:txBody>
       </p:sp>
@@ -1406,7 +1393,7 @@
           <a:p>
             <a:pPr lvl="0"/>
             <a:r>
-              <a:rPr lang="es-ES" smtClean="0"/>
+              <a:rPr lang="es-ES"/>
               <a:t>Editar el estilo de texto del patrón</a:t>
             </a:r>
           </a:p>
@@ -1434,38 +1421,37 @@
           <a:p>
             <a:pPr lvl="0"/>
             <a:r>
-              <a:rPr lang="es-ES" smtClean="0"/>
+              <a:rPr lang="es-ES"/>
               <a:t>Editar el estilo de texto del patrón</a:t>
             </a:r>
           </a:p>
           <a:p>
             <a:pPr lvl="1"/>
             <a:r>
-              <a:rPr lang="es-ES" smtClean="0"/>
+              <a:rPr lang="es-ES"/>
               <a:t>Segundo nivel</a:t>
             </a:r>
           </a:p>
           <a:p>
             <a:pPr lvl="2"/>
             <a:r>
-              <a:rPr lang="es-ES" smtClean="0"/>
+              <a:rPr lang="es-ES"/>
               <a:t>Tercer nivel</a:t>
             </a:r>
           </a:p>
           <a:p>
             <a:pPr lvl="3"/>
             <a:r>
-              <a:rPr lang="es-ES" smtClean="0"/>
+              <a:rPr lang="es-ES"/>
               <a:t>Cuarto nivel</a:t>
             </a:r>
           </a:p>
           <a:p>
             <a:pPr lvl="4"/>
             <a:r>
-              <a:rPr lang="es-ES" smtClean="0"/>
+              <a:rPr lang="es-ES"/>
               <a:t>Quinto nivel</a:t>
             </a:r>
-            <a:endParaRPr lang="es-ES"/>
           </a:p>
         </p:txBody>
       </p:sp>
@@ -1528,7 +1514,7 @@
           <a:p>
             <a:pPr lvl="0"/>
             <a:r>
-              <a:rPr lang="es-ES" smtClean="0"/>
+              <a:rPr lang="es-ES"/>
               <a:t>Editar el estilo de texto del patrón</a:t>
             </a:r>
           </a:p>
@@ -1556,38 +1542,37 @@
           <a:p>
             <a:pPr lvl="0"/>
             <a:r>
-              <a:rPr lang="es-ES" smtClean="0"/>
+              <a:rPr lang="es-ES"/>
               <a:t>Editar el estilo de texto del patrón</a:t>
             </a:r>
           </a:p>
           <a:p>
             <a:pPr lvl="1"/>
             <a:r>
-              <a:rPr lang="es-ES" smtClean="0"/>
+              <a:rPr lang="es-ES"/>
               <a:t>Segundo nivel</a:t>
             </a:r>
           </a:p>
           <a:p>
             <a:pPr lvl="2"/>
             <a:r>
-              <a:rPr lang="es-ES" smtClean="0"/>
+              <a:rPr lang="es-ES"/>
               <a:t>Tercer nivel</a:t>
             </a:r>
           </a:p>
           <a:p>
             <a:pPr lvl="3"/>
             <a:r>
-              <a:rPr lang="es-ES" smtClean="0"/>
+              <a:rPr lang="es-ES"/>
               <a:t>Cuarto nivel</a:t>
             </a:r>
           </a:p>
           <a:p>
             <a:pPr lvl="4"/>
             <a:r>
-              <a:rPr lang="es-ES" smtClean="0"/>
+              <a:rPr lang="es-ES"/>
               <a:t>Quinto nivel</a:t>
             </a:r>
-            <a:endParaRPr lang="es-ES"/>
           </a:p>
         </p:txBody>
       </p:sp>
@@ -1608,7 +1593,7 @@
           <a:p>
             <a:fld id="{6E3CEE3C-7AD6-4EDE-B17A-FE305ECABCE6}" type="datetimeFigureOut">
               <a:rPr lang="es-ES" smtClean="0"/>
-              <a:t>17/12/2020</a:t>
+              <a:t>23/12/2020</a:t>
             </a:fld>
             <a:endParaRPr lang="es-ES"/>
           </a:p>
@@ -1702,10 +1687,9 @@
           <a:lstStyle/>
           <a:p>
             <a:r>
-              <a:rPr lang="es-ES" smtClean="0"/>
+              <a:rPr lang="es-ES"/>
               <a:t>Haga clic para modificar el estilo de título del patrón</a:t>
             </a:r>
-            <a:endParaRPr lang="es-ES"/>
           </a:p>
         </p:txBody>
       </p:sp>
@@ -1726,7 +1710,7 @@
           <a:p>
             <a:fld id="{6E3CEE3C-7AD6-4EDE-B17A-FE305ECABCE6}" type="datetimeFigureOut">
               <a:rPr lang="es-ES" smtClean="0"/>
-              <a:t>17/12/2020</a:t>
+              <a:t>23/12/2020</a:t>
             </a:fld>
             <a:endParaRPr lang="es-ES"/>
           </a:p>
@@ -1821,7 +1805,7 @@
           <a:p>
             <a:fld id="{6E3CEE3C-7AD6-4EDE-B17A-FE305ECABCE6}" type="datetimeFigureOut">
               <a:rPr lang="es-ES" smtClean="0"/>
-              <a:t>17/12/2020</a:t>
+              <a:t>23/12/2020</a:t>
             </a:fld>
             <a:endParaRPr lang="es-ES"/>
           </a:p>
@@ -1924,10 +1908,9 @@
           </a:lstStyle>
           <a:p>
             <a:r>
-              <a:rPr lang="es-ES" smtClean="0"/>
+              <a:rPr lang="es-ES"/>
               <a:t>Haga clic para modificar el estilo de título del patrón</a:t>
             </a:r>
-            <a:endParaRPr lang="es-ES"/>
           </a:p>
         </p:txBody>
       </p:sp>
@@ -1981,38 +1964,37 @@
           <a:p>
             <a:pPr lvl="0"/>
             <a:r>
-              <a:rPr lang="es-ES" smtClean="0"/>
+              <a:rPr lang="es-ES"/>
               <a:t>Editar el estilo de texto del patrón</a:t>
             </a:r>
           </a:p>
           <a:p>
             <a:pPr lvl="1"/>
             <a:r>
-              <a:rPr lang="es-ES" smtClean="0"/>
+              <a:rPr lang="es-ES"/>
               <a:t>Segundo nivel</a:t>
             </a:r>
           </a:p>
           <a:p>
             <a:pPr lvl="2"/>
             <a:r>
-              <a:rPr lang="es-ES" smtClean="0"/>
+              <a:rPr lang="es-ES"/>
               <a:t>Tercer nivel</a:t>
             </a:r>
           </a:p>
           <a:p>
             <a:pPr lvl="3"/>
             <a:r>
-              <a:rPr lang="es-ES" smtClean="0"/>
+              <a:rPr lang="es-ES"/>
               <a:t>Cuarto nivel</a:t>
             </a:r>
           </a:p>
           <a:p>
             <a:pPr lvl="4"/>
             <a:r>
-              <a:rPr lang="es-ES" smtClean="0"/>
+              <a:rPr lang="es-ES"/>
               <a:t>Quinto nivel</a:t>
             </a:r>
-            <a:endParaRPr lang="es-ES"/>
           </a:p>
         </p:txBody>
       </p:sp>
@@ -2075,7 +2057,7 @@
           <a:p>
             <a:pPr lvl="0"/>
             <a:r>
-              <a:rPr lang="es-ES" smtClean="0"/>
+              <a:rPr lang="es-ES"/>
               <a:t>Editar el estilo de texto del patrón</a:t>
             </a:r>
           </a:p>
@@ -2098,7 +2080,7 @@
           <a:p>
             <a:fld id="{6E3CEE3C-7AD6-4EDE-B17A-FE305ECABCE6}" type="datetimeFigureOut">
               <a:rPr lang="es-ES" smtClean="0"/>
-              <a:t>17/12/2020</a:t>
+              <a:t>23/12/2020</a:t>
             </a:fld>
             <a:endParaRPr lang="es-ES"/>
           </a:p>
@@ -2201,10 +2183,9 @@
           </a:lstStyle>
           <a:p>
             <a:r>
-              <a:rPr lang="es-ES" smtClean="0"/>
+              <a:rPr lang="es-ES"/>
               <a:t>Haga clic para modificar el estilo de título del patrón</a:t>
             </a:r>
-            <a:endParaRPr lang="es-ES"/>
           </a:p>
         </p:txBody>
       </p:sp>
@@ -2328,7 +2309,7 @@
           <a:p>
             <a:pPr lvl="0"/>
             <a:r>
-              <a:rPr lang="es-ES" smtClean="0"/>
+              <a:rPr lang="es-ES"/>
               <a:t>Editar el estilo de texto del patrón</a:t>
             </a:r>
           </a:p>
@@ -2351,7 +2332,7 @@
           <a:p>
             <a:fld id="{6E3CEE3C-7AD6-4EDE-B17A-FE305ECABCE6}" type="datetimeFigureOut">
               <a:rPr lang="es-ES" smtClean="0"/>
-              <a:t>17/12/2020</a:t>
+              <a:t>23/12/2020</a:t>
             </a:fld>
             <a:endParaRPr lang="es-ES"/>
           </a:p>
@@ -2463,10 +2444,9 @@
           <a:lstStyle/>
           <a:p>
             <a:r>
-              <a:rPr lang="es-ES" smtClean="0"/>
+              <a:rPr lang="es-ES"/>
               <a:t>Haga clic para modificar el estilo de título del patrón</a:t>
             </a:r>
-            <a:endParaRPr lang="es-ES"/>
           </a:p>
         </p:txBody>
       </p:sp>
@@ -2497,38 +2477,37 @@
           <a:p>
             <a:pPr lvl="0"/>
             <a:r>
-              <a:rPr lang="es-ES" smtClean="0"/>
+              <a:rPr lang="es-ES"/>
               <a:t>Editar el estilo de texto del patrón</a:t>
             </a:r>
           </a:p>
           <a:p>
             <a:pPr lvl="1"/>
             <a:r>
-              <a:rPr lang="es-ES" smtClean="0"/>
+              <a:rPr lang="es-ES"/>
               <a:t>Segundo nivel</a:t>
             </a:r>
           </a:p>
           <a:p>
             <a:pPr lvl="2"/>
             <a:r>
-              <a:rPr lang="es-ES" smtClean="0"/>
+              <a:rPr lang="es-ES"/>
               <a:t>Tercer nivel</a:t>
             </a:r>
           </a:p>
           <a:p>
             <a:pPr lvl="3"/>
             <a:r>
-              <a:rPr lang="es-ES" smtClean="0"/>
+              <a:rPr lang="es-ES"/>
               <a:t>Cuarto nivel</a:t>
             </a:r>
           </a:p>
           <a:p>
             <a:pPr lvl="4"/>
             <a:r>
-              <a:rPr lang="es-ES" smtClean="0"/>
+              <a:rPr lang="es-ES"/>
               <a:t>Quinto nivel</a:t>
             </a:r>
-            <a:endParaRPr lang="es-ES"/>
           </a:p>
         </p:txBody>
       </p:sp>
@@ -2567,7 +2546,7 @@
           <a:p>
             <a:fld id="{6E3CEE3C-7AD6-4EDE-B17A-FE305ECABCE6}" type="datetimeFigureOut">
               <a:rPr lang="es-ES" smtClean="0"/>
-              <a:t>17/12/2020</a:t>
+              <a:t>23/12/2020</a:t>
             </a:fld>
             <a:endParaRPr lang="es-ES"/>
           </a:p>
@@ -2980,87 +2959,6 @@
           <a:chExt cx="0" cy="0"/>
         </a:xfrm>
       </p:grpSpPr>
-      <p:grpSp>
-        <p:nvGrpSpPr>
-          <p:cNvPr id="7" name="Grupo 6"/>
-          <p:cNvGrpSpPr/>
-          <p:nvPr/>
-        </p:nvGrpSpPr>
-        <p:grpSpPr>
-          <a:xfrm rot="16200000">
-            <a:off x="659085" y="772197"/>
-            <a:ext cx="8283030" cy="7868184"/>
-            <a:chOff x="1401805" y="1494454"/>
-            <a:chExt cx="6788811" cy="6448803"/>
-          </a:xfrm>
-        </p:grpSpPr>
-        <p:pic>
-          <p:nvPicPr>
-            <p:cNvPr id="5" name="Imagen 4"/>
-            <p:cNvPicPr>
-              <a:picLocks noChangeAspect="1"/>
-            </p:cNvPicPr>
-            <p:nvPr/>
-          </p:nvPicPr>
-          <p:blipFill rotWithShape="1">
-            <a:blip r:embed="rId2">
-              <a:extLst>
-                <a:ext uri="{28A0092B-C50C-407E-A947-70E740481C1C}">
-                  <a14:useLocalDpi xmlns:a14="http://schemas.microsoft.com/office/drawing/2010/main" val="0"/>
-                </a:ext>
-              </a:extLst>
-            </a:blip>
-            <a:srcRect l="2214" t="17526" r="2338" b="22449"/>
-            <a:stretch/>
-          </p:blipFill>
-          <p:spPr>
-            <a:xfrm>
-              <a:off x="1401805" y="1905724"/>
-              <a:ext cx="6788811" cy="6037533"/>
-            </a:xfrm>
-            <a:prstGeom prst="rect">
-              <a:avLst/>
-            </a:prstGeom>
-          </p:spPr>
-        </p:pic>
-        <p:sp>
-          <p:nvSpPr>
-            <p:cNvPr id="6" name="Rectángulo 5"/>
-            <p:cNvSpPr/>
-            <p:nvPr/>
-          </p:nvSpPr>
-          <p:spPr>
-            <a:xfrm>
-              <a:off x="7364504" y="1494454"/>
-              <a:ext cx="561372" cy="523220"/>
-            </a:xfrm>
-            <a:prstGeom prst="rect">
-              <a:avLst/>
-            </a:prstGeom>
-          </p:spPr>
-          <p:txBody>
-            <a:bodyPr wrap="none">
-              <a:spAutoFit/>
-            </a:bodyPr>
-            <a:lstStyle/>
-            <a:p>
-              <a:pPr algn="ctr"/>
-              <a:r>
-                <a:rPr lang="es-ES_tradnl" sz="2800" cap="all" spc="600" dirty="0">
-                  <a:solidFill>
-                    <a:srgbClr val="995518"/>
-                  </a:solidFill>
-                  <a:latin typeface="Josefin Sans" pitchFamily="2" charset="0"/>
-                  <a:ea typeface="Roboto Medium" panose="02000000000000000000" pitchFamily="2" charset="0"/>
-                  <a:cs typeface="Heebo" pitchFamily="2" charset="-79"/>
-                </a:rPr>
-                <a:t>N</a:t>
-              </a:r>
-              <a:endParaRPr lang="es-ES" dirty="0"/>
-            </a:p>
-          </p:txBody>
-        </p:sp>
-      </p:grpSp>
       <p:sp>
         <p:nvSpPr>
           <p:cNvPr id="4" name="CuadroTexto 3"/>
@@ -3069,8 +2967,8 @@
         </p:nvSpPr>
         <p:spPr>
           <a:xfrm>
-            <a:off x="0" y="8847804"/>
-            <a:ext cx="9601200" cy="3953796"/>
+            <a:off x="0" y="8307977"/>
+            <a:ext cx="9601200" cy="4493623"/>
           </a:xfrm>
           <a:prstGeom prst="rect">
             <a:avLst/>
@@ -3093,7 +2991,7 @@
           </a:p>
           <a:p>
             <a:pPr algn="ctr"/>
-            <a:endParaRPr lang="es-ES" sz="2400" spc="200" dirty="0" smtClean="0">
+            <a:endParaRPr lang="es-ES" sz="2400" spc="200" dirty="0">
               <a:solidFill>
                 <a:srgbClr val="3CA7B2"/>
               </a:solidFill>
@@ -3105,7 +3003,7 @@
           <a:p>
             <a:pPr algn="ctr"/>
             <a:r>
-              <a:rPr lang="es-ES_tradnl" sz="5000" cap="all" spc="600" dirty="0">
+              <a:rPr lang="es-ES_tradnl" sz="4800" cap="all" spc="600" dirty="0">
                 <a:solidFill>
                   <a:srgbClr val="995518"/>
                 </a:solidFill>
@@ -3113,20 +3011,9 @@
                 <a:ea typeface="Roboto Medium" panose="02000000000000000000" pitchFamily="2" charset="0"/>
                 <a:cs typeface="Heebo" pitchFamily="2" charset="-79"/>
               </a:rPr>
-              <a:t>Santa María la Real de las </a:t>
-            </a:r>
-            <a:r>
-              <a:rPr lang="es-ES_tradnl" sz="5000" cap="all" spc="600" dirty="0" smtClean="0">
-                <a:solidFill>
-                  <a:srgbClr val="995518"/>
-                </a:solidFill>
-                <a:latin typeface="Josefin Sans" pitchFamily="2" charset="0"/>
-                <a:ea typeface="Roboto Medium" panose="02000000000000000000" pitchFamily="2" charset="0"/>
-                <a:cs typeface="Heebo" pitchFamily="2" charset="-79"/>
-              </a:rPr>
-              <a:t>Huelgas</a:t>
-            </a:r>
-            <a:endParaRPr lang="es-ES" sz="5000" cap="all" spc="600" dirty="0">
+              <a:t>Santa María la Real de las Huelgas</a:t>
+            </a:r>
+            <a:endParaRPr lang="es-ES" sz="4800" cap="all" spc="600" dirty="0">
               <a:solidFill>
                 <a:srgbClr val="995518"/>
               </a:solidFill>
@@ -3148,8 +3035,19 @@
           </a:p>
           <a:p>
             <a:pPr algn="ctr"/>
-            <a:r>
-              <a:rPr lang="es-ES" sz="3600" cap="all" spc="600" dirty="0" smtClean="0">
+            <a:endParaRPr lang="es-ES" sz="1100" cap="all" spc="600" dirty="0">
+              <a:solidFill>
+                <a:srgbClr val="995518"/>
+              </a:solidFill>
+              <a:latin typeface="Josefin Sans" pitchFamily="2" charset="0"/>
+              <a:ea typeface="Roboto Medium" panose="02000000000000000000" pitchFamily="2" charset="0"/>
+              <a:cs typeface="Heebo" pitchFamily="2" charset="-79"/>
+            </a:endParaRPr>
+          </a:p>
+          <a:p>
+            <a:pPr algn="ctr"/>
+            <a:r>
+              <a:rPr lang="es-ES" sz="3200" cap="all" spc="600" dirty="0">
                 <a:solidFill>
                   <a:srgbClr val="995518"/>
                 </a:solidFill>
@@ -3159,7 +3057,10 @@
               </a:rPr>
               <a:t>burgos, España</a:t>
             </a:r>
-            <a:endParaRPr lang="es-ES" sz="3600" cap="all" spc="600" dirty="0">
+          </a:p>
+          <a:p>
+            <a:pPr algn="ctr"/>
+            <a:endParaRPr lang="es-ES" sz="1400" cap="all" spc="600" dirty="0">
               <a:solidFill>
                 <a:srgbClr val="995518"/>
               </a:solidFill>
@@ -3170,7 +3071,7 @@
           </a:p>
           <a:p>
             <a:pPr algn="ctr"/>
-            <a:endParaRPr lang="es-ES" sz="1400" cap="all" spc="600" dirty="0" smtClean="0">
+            <a:endParaRPr lang="es-ES" sz="1400" cap="all" spc="600" dirty="0">
               <a:solidFill>
                 <a:srgbClr val="995518"/>
               </a:solidFill>
@@ -3182,7 +3083,7 @@
           <a:p>
             <a:pPr algn="ctr"/>
             <a:r>
-              <a:rPr lang="es-ES" sz="2800" cap="all" spc="300" dirty="0" smtClean="0">
+              <a:rPr lang="es-ES" sz="2400" cap="all" spc="300" dirty="0">
                 <a:solidFill>
                   <a:srgbClr val="995518"/>
                 </a:solidFill>
@@ -3202,6 +3103,82 @@
               <a:latin typeface="Josefin Sans" pitchFamily="2" charset="0"/>
               <a:ea typeface="Roboto Medium" panose="02000000000000000000" pitchFamily="2" charset="0"/>
             </a:endParaRPr>
+          </a:p>
+        </p:txBody>
+      </p:sp>
+      <p:pic>
+        <p:nvPicPr>
+          <p:cNvPr id="3" name="Gráfico 2">
+            <a:extLst>
+              <a:ext uri="{FF2B5EF4-FFF2-40B4-BE49-F238E27FC236}">
+                <a16:creationId xmlns:a16="http://schemas.microsoft.com/office/drawing/2014/main" id="{C2A330E2-8661-4426-AA60-E11640806220}"/>
+              </a:ext>
+            </a:extLst>
+          </p:cNvPr>
+          <p:cNvPicPr>
+            <a:picLocks noChangeAspect="1"/>
+          </p:cNvPicPr>
+          <p:nvPr/>
+        </p:nvPicPr>
+        <p:blipFill rotWithShape="1">
+          <a:blip r:embed="rId2">
+            <a:extLst>
+              <a:ext uri="{96DAC541-7B7A-43D3-8B79-37D633B846F1}">
+                <asvg:svgBlip xmlns:asvg="http://schemas.microsoft.com/office/drawing/2016/SVG/main" r:embed="rId3"/>
+              </a:ext>
+            </a:extLst>
+          </a:blip>
+          <a:srcRect t="21021" b="22040"/>
+          <a:stretch/>
+        </p:blipFill>
+        <p:spPr>
+          <a:xfrm rot="16200000">
+            <a:off x="274321" y="881744"/>
+            <a:ext cx="9052560" cy="7289074"/>
+          </a:xfrm>
+          <a:prstGeom prst="rect">
+            <a:avLst/>
+          </a:prstGeom>
+        </p:spPr>
+      </p:pic>
+      <p:sp>
+        <p:nvSpPr>
+          <p:cNvPr id="8" name="CuadroTexto 7">
+            <a:extLst>
+              <a:ext uri="{FF2B5EF4-FFF2-40B4-BE49-F238E27FC236}">
+                <a16:creationId xmlns:a16="http://schemas.microsoft.com/office/drawing/2014/main" id="{4E993F35-1A8E-4216-A583-43B148C2E345}"/>
+              </a:ext>
+            </a:extLst>
+          </p:cNvPr>
+          <p:cNvSpPr txBox="1"/>
+          <p:nvPr/>
+        </p:nvSpPr>
+        <p:spPr>
+          <a:xfrm rot="16200000">
+            <a:off x="689610" y="762000"/>
+            <a:ext cx="609600" cy="553998"/>
+          </a:xfrm>
+          <a:prstGeom prst="rect">
+            <a:avLst/>
+          </a:prstGeom>
+          <a:noFill/>
+        </p:spPr>
+        <p:txBody>
+          <a:bodyPr wrap="square" rtlCol="0">
+            <a:spAutoFit/>
+          </a:bodyPr>
+          <a:lstStyle/>
+          <a:p>
+            <a:pPr algn="ctr"/>
+            <a:r>
+              <a:rPr lang="es-ES" sz="3000" dirty="0">
+                <a:solidFill>
+                  <a:srgbClr val="995518"/>
+                </a:solidFill>
+                <a:latin typeface="Josefin Sans" pitchFamily="2" charset="0"/>
+              </a:rPr>
+              <a:t>N</a:t>
+            </a:r>
           </a:p>
         </p:txBody>
       </p:sp>
@@ -3215,13 +3192,6 @@
   <p:clrMapOvr>
     <a:masterClrMapping/>
   </p:clrMapOvr>
-  <p:timing>
-    <p:tnLst>
-      <p:par>
-        <p:cTn id="1" dur="indefinite" restart="never" nodeType="tmRoot"/>
-      </p:par>
-    </p:tnLst>
-  </p:timing>
 </p:sld>
 </file>
 
